--- a/doc/前端-CSS.pptx
+++ b/doc/前端-CSS.pptx
@@ -5,12 +5,11 @@
     <p:sldMasterId id="2147483648" r:id="rId1"/>
   </p:sldMasterIdLst>
   <p:notesMasterIdLst>
-    <p:notesMasterId r:id="rId5"/>
+    <p:notesMasterId r:id="rId4"/>
   </p:notesMasterIdLst>
   <p:sldIdLst>
     <p:sldId id="256" r:id="rId2"/>
     <p:sldId id="258" r:id="rId3"/>
-    <p:sldId id="259" r:id="rId4"/>
   </p:sldIdLst>
   <p:sldSz cx="9144000" cy="6858000" type="screen4x3"/>
   <p:notesSz cx="6858000" cy="9144000"/>
@@ -194,7 +193,7 @@
           <a:p>
             <a:fld id="{B86859C3-2692-784F-AC34-40A9E7B69405}" type="datetimeFigureOut">
               <a:rPr kumimoji="1" lang="zh-CN" altLang="en-US" smtClean="0"/>
-              <a:t>17/2/20</a:t>
+              <a:t>17/2/26</a:t>
             </a:fld>
             <a:endParaRPr kumimoji="1" lang="zh-CN" altLang="en-US"/>
           </a:p>
@@ -727,7 +726,7 @@
           <a:p>
             <a:fld id="{D7B12BEA-236C-5749-AF49-060B228B08C5}" type="datetimeFigureOut">
               <a:rPr kumimoji="1" lang="zh-CN" altLang="en-US" smtClean="0"/>
-              <a:t>17/2/20</a:t>
+              <a:t>17/2/26</a:t>
             </a:fld>
             <a:endParaRPr kumimoji="1" lang="zh-CN" altLang="en-US"/>
           </a:p>
@@ -897,7 +896,7 @@
           <a:p>
             <a:fld id="{D7B12BEA-236C-5749-AF49-060B228B08C5}" type="datetimeFigureOut">
               <a:rPr kumimoji="1" lang="zh-CN" altLang="en-US" smtClean="0"/>
-              <a:t>17/2/20</a:t>
+              <a:t>17/2/26</a:t>
             </a:fld>
             <a:endParaRPr kumimoji="1" lang="zh-CN" altLang="en-US"/>
           </a:p>
@@ -1077,7 +1076,7 @@
           <a:p>
             <a:fld id="{D7B12BEA-236C-5749-AF49-060B228B08C5}" type="datetimeFigureOut">
               <a:rPr kumimoji="1" lang="zh-CN" altLang="en-US" smtClean="0"/>
-              <a:t>17/2/20</a:t>
+              <a:t>17/2/26</a:t>
             </a:fld>
             <a:endParaRPr kumimoji="1" lang="zh-CN" altLang="en-US"/>
           </a:p>
@@ -1247,7 +1246,7 @@
           <a:p>
             <a:fld id="{D7B12BEA-236C-5749-AF49-060B228B08C5}" type="datetimeFigureOut">
               <a:rPr kumimoji="1" lang="zh-CN" altLang="en-US" smtClean="0"/>
-              <a:t>17/2/20</a:t>
+              <a:t>17/2/26</a:t>
             </a:fld>
             <a:endParaRPr kumimoji="1" lang="zh-CN" altLang="en-US"/>
           </a:p>
@@ -1493,7 +1492,7 @@
           <a:p>
             <a:fld id="{D7B12BEA-236C-5749-AF49-060B228B08C5}" type="datetimeFigureOut">
               <a:rPr kumimoji="1" lang="zh-CN" altLang="en-US" smtClean="0"/>
-              <a:t>17/2/20</a:t>
+              <a:t>17/2/26</a:t>
             </a:fld>
             <a:endParaRPr kumimoji="1" lang="zh-CN" altLang="en-US"/>
           </a:p>
@@ -1781,7 +1780,7 @@
           <a:p>
             <a:fld id="{D7B12BEA-236C-5749-AF49-060B228B08C5}" type="datetimeFigureOut">
               <a:rPr kumimoji="1" lang="zh-CN" altLang="en-US" smtClean="0"/>
-              <a:t>17/2/20</a:t>
+              <a:t>17/2/26</a:t>
             </a:fld>
             <a:endParaRPr kumimoji="1" lang="zh-CN" altLang="en-US"/>
           </a:p>
@@ -2203,7 +2202,7 @@
           <a:p>
             <a:fld id="{D7B12BEA-236C-5749-AF49-060B228B08C5}" type="datetimeFigureOut">
               <a:rPr kumimoji="1" lang="zh-CN" altLang="en-US" smtClean="0"/>
-              <a:t>17/2/20</a:t>
+              <a:t>17/2/26</a:t>
             </a:fld>
             <a:endParaRPr kumimoji="1" lang="zh-CN" altLang="en-US"/>
           </a:p>
@@ -2321,7 +2320,7 @@
           <a:p>
             <a:fld id="{D7B12BEA-236C-5749-AF49-060B228B08C5}" type="datetimeFigureOut">
               <a:rPr kumimoji="1" lang="zh-CN" altLang="en-US" smtClean="0"/>
-              <a:t>17/2/20</a:t>
+              <a:t>17/2/26</a:t>
             </a:fld>
             <a:endParaRPr kumimoji="1" lang="zh-CN" altLang="en-US"/>
           </a:p>
@@ -2416,7 +2415,7 @@
           <a:p>
             <a:fld id="{D7B12BEA-236C-5749-AF49-060B228B08C5}" type="datetimeFigureOut">
               <a:rPr kumimoji="1" lang="zh-CN" altLang="en-US" smtClean="0"/>
-              <a:t>17/2/20</a:t>
+              <a:t>17/2/26</a:t>
             </a:fld>
             <a:endParaRPr kumimoji="1" lang="zh-CN" altLang="en-US"/>
           </a:p>
@@ -2693,7 +2692,7 @@
           <a:p>
             <a:fld id="{D7B12BEA-236C-5749-AF49-060B228B08C5}" type="datetimeFigureOut">
               <a:rPr kumimoji="1" lang="zh-CN" altLang="en-US" smtClean="0"/>
-              <a:t>17/2/20</a:t>
+              <a:t>17/2/26</a:t>
             </a:fld>
             <a:endParaRPr kumimoji="1" lang="zh-CN" altLang="en-US"/>
           </a:p>
@@ -2946,7 +2945,7 @@
           <a:p>
             <a:fld id="{D7B12BEA-236C-5749-AF49-060B228B08C5}" type="datetimeFigureOut">
               <a:rPr kumimoji="1" lang="zh-CN" altLang="en-US" smtClean="0"/>
-              <a:t>17/2/20</a:t>
+              <a:t>17/2/26</a:t>
             </a:fld>
             <a:endParaRPr kumimoji="1" lang="zh-CN" altLang="en-US"/>
           </a:p>
@@ -3159,7 +3158,7 @@
           <a:p>
             <a:fld id="{D7B12BEA-236C-5749-AF49-060B228B08C5}" type="datetimeFigureOut">
               <a:rPr kumimoji="1" lang="zh-CN" altLang="en-US" smtClean="0"/>
-              <a:t>17/2/20</a:t>
+              <a:t>17/2/26</a:t>
             </a:fld>
             <a:endParaRPr kumimoji="1" lang="zh-CN" altLang="en-US"/>
           </a:p>
@@ -3613,10 +3612,6 @@
           <a:bodyPr/>
           <a:lstStyle/>
           <a:p>
-            <a:r>
-              <a:rPr kumimoji="1" lang="zh-CN" altLang="en-US" dirty="0" smtClean="0"/>
-              <a:t>什么是资源</a:t>
-            </a:r>
             <a:endParaRPr kumimoji="1" lang="zh-CN" altLang="en-US" dirty="0"/>
           </a:p>
         </p:txBody>
@@ -3639,105 +3634,20 @@
           <a:lstStyle/>
           <a:p>
             <a:r>
-              <a:rPr lang="en-US" altLang="zh-TW" sz="2400" dirty="0" err="1" smtClean="0"/>
-              <a:t>js</a:t>
-            </a:r>
-            <a:r>
-              <a:rPr lang="zh-TW" altLang="en-US" sz="2400" dirty="0" smtClean="0"/>
-              <a:t>、</a:t>
-            </a:r>
-            <a:r>
               <a:rPr lang="en-US" altLang="zh-TW" sz="2400" dirty="0" smtClean="0"/>
-              <a:t>java</a:t>
-            </a:r>
-            <a:r>
-              <a:rPr lang="zh-TW" altLang="en-US" sz="2400" dirty="0" smtClean="0"/>
-              <a:t>对比教学</a:t>
-            </a:r>
-          </a:p>
-          <a:p>
-            <a:r>
-              <a:rPr lang="nl-NL" altLang="zh-CN" sz="2400" dirty="0" err="1" smtClean="0"/>
-              <a:t>js</a:t>
-            </a:r>
-            <a:r>
-              <a:rPr lang="zh-CN" altLang="nl-NL" sz="2400" dirty="0" smtClean="0"/>
-              <a:t>的</a:t>
-            </a:r>
-            <a:r>
-              <a:rPr lang="nl-NL" altLang="zh-CN" sz="2400" dirty="0" smtClean="0"/>
-              <a:t>prototype </a:t>
-            </a:r>
-            <a:r>
-              <a:rPr lang="nl-NL" altLang="zh-CN" sz="2400" dirty="0" err="1" smtClean="0"/>
-              <a:t>vs</a:t>
-            </a:r>
-            <a:r>
-              <a:rPr lang="nl-NL" altLang="zh-CN" sz="2400" dirty="0" smtClean="0"/>
+              <a:t>W</a:t>
+            </a:r>
+            <a:r>
+              <a:rPr lang="en-US" altLang="zh-CN" sz="2400" dirty="0" smtClean="0"/>
+              <a:t>3c</a:t>
+            </a:r>
+            <a:r>
+              <a:rPr lang="zh-CN" altLang="en-US" sz="2400" dirty="0" smtClean="0"/>
               <a:t> </a:t>
             </a:r>
             <a:r>
-              <a:rPr lang="nl-NL" altLang="zh-CN" sz="2400" dirty="0" err="1" smtClean="0"/>
-              <a:t>java</a:t>
-            </a:r>
-            <a:r>
-              <a:rPr lang="nl-NL" altLang="zh-CN" sz="2400" dirty="0" smtClean="0"/>
-              <a:t> </a:t>
-            </a:r>
-            <a:r>
-              <a:rPr lang="nl-NL" altLang="zh-CN" sz="2400" dirty="0" err="1" smtClean="0"/>
-              <a:t>oop</a:t>
-            </a:r>
-            <a:endParaRPr lang="nl-NL" altLang="zh-CN" sz="2400" dirty="0" smtClean="0"/>
-          </a:p>
-          <a:p>
-            <a:r>
-              <a:rPr lang="en-US" altLang="zh-CN" sz="2400" dirty="0" err="1" smtClean="0"/>
-              <a:t>json</a:t>
-            </a:r>
-            <a:r>
-              <a:rPr lang="zh-CN" altLang="en-US" sz="2400" dirty="0" smtClean="0"/>
-              <a:t>、</a:t>
-            </a:r>
-            <a:r>
-              <a:rPr lang="en-US" altLang="zh-CN" sz="2400" dirty="0" err="1" smtClean="0"/>
-              <a:t>js</a:t>
-            </a:r>
-            <a:r>
-              <a:rPr lang="zh-CN" altLang="en-US" sz="2400" dirty="0" smtClean="0"/>
-              <a:t>数组</a:t>
-            </a:r>
-            <a:r>
               <a:rPr lang="en-US" altLang="zh-CN" sz="2400" dirty="0" smtClean="0"/>
-              <a:t>&amp;</a:t>
-            </a:r>
-            <a:r>
-              <a:rPr lang="zh-CN" altLang="en-US" sz="2400" dirty="0" smtClean="0"/>
-              <a:t>对象、</a:t>
-            </a:r>
-            <a:r>
-              <a:rPr lang="en-US" altLang="zh-CN" sz="2400" dirty="0" smtClean="0"/>
-              <a:t>java </a:t>
-            </a:r>
-            <a:r>
-              <a:rPr lang="en-US" altLang="zh-CN" sz="2400" dirty="0" err="1" smtClean="0"/>
-              <a:t>Map&amp;List</a:t>
-            </a:r>
-            <a:r>
-              <a:rPr lang="en-US" altLang="zh-CN" sz="2400" dirty="0" smtClean="0"/>
-              <a:t>, </a:t>
-            </a:r>
-            <a:r>
-              <a:rPr lang="zh-CN" altLang="en-US" sz="2400" dirty="0" smtClean="0"/>
-              <a:t>相互之间转换 （相比</a:t>
-            </a:r>
-            <a:r>
-              <a:rPr lang="en-US" altLang="zh-CN" sz="2400" dirty="0" smtClean="0"/>
-              <a:t>XML</a:t>
-            </a:r>
-            <a:r>
-              <a:rPr lang="zh-CN" altLang="en-US" sz="2400" dirty="0" smtClean="0"/>
-              <a:t>，优缺点有哪些）</a:t>
+              <a:t>school</a:t>
             </a:r>
             <a:endParaRPr kumimoji="1" lang="zh-CN" altLang="en-US" sz="2400" dirty="0"/>
           </a:p>
@@ -3760,98 +3670,6 @@
       </p:par>
     </p:tnLst>
   </p:timing>
-</p:sld>
-</file>
-
-<file path=ppt/slides/slide3.xml><?xml version="1.0" encoding="utf-8"?>
-<p:sld xmlns:a="http://schemas.openxmlformats.org/drawingml/2006/main" xmlns:r="http://schemas.openxmlformats.org/officeDocument/2006/relationships" xmlns:p="http://schemas.openxmlformats.org/presentationml/2006/main">
-  <p:cSld>
-    <p:spTree>
-      <p:nvGrpSpPr>
-        <p:cNvPr id="1" name=""/>
-        <p:cNvGrpSpPr/>
-        <p:nvPr/>
-      </p:nvGrpSpPr>
-      <p:grpSpPr>
-        <a:xfrm>
-          <a:off x="0" y="0"/>
-          <a:ext cx="0" cy="0"/>
-          <a:chOff x="0" y="0"/>
-          <a:chExt cx="0" cy="0"/>
-        </a:xfrm>
-      </p:grpSpPr>
-      <p:sp>
-        <p:nvSpPr>
-          <p:cNvPr id="2" name="标题 1"/>
-          <p:cNvSpPr>
-            <a:spLocks noGrp="1"/>
-          </p:cNvSpPr>
-          <p:nvPr>
-            <p:ph type="title"/>
-          </p:nvPr>
-        </p:nvSpPr>
-        <p:spPr/>
-        <p:txBody>
-          <a:bodyPr/>
-          <a:lstStyle/>
-          <a:p>
-            <a:r>
-              <a:rPr lang="pl-PL" altLang="zh-CN" dirty="0"/>
-              <a:t>BS</a:t>
-            </a:r>
-            <a:r>
-              <a:rPr lang="zh-CN" altLang="pl-PL" dirty="0"/>
-              <a:t>之 </a:t>
-            </a:r>
-            <a:r>
-              <a:rPr lang="pl-PL" altLang="zh-CN" dirty="0" err="1"/>
-              <a:t>cookie</a:t>
-            </a:r>
-            <a:r>
-              <a:rPr lang="pl-PL" altLang="zh-CN" dirty="0"/>
-              <a:t> </a:t>
-            </a:r>
-            <a:r>
-              <a:rPr lang="zh-CN" altLang="pl-PL" dirty="0"/>
-              <a:t>与 </a:t>
-            </a:r>
-            <a:r>
-              <a:rPr lang="pl-PL" altLang="zh-CN" dirty="0" err="1"/>
-              <a:t>session</a:t>
-            </a:r>
-            <a:endParaRPr kumimoji="1" lang="zh-CN" altLang="en-US" dirty="0"/>
-          </a:p>
-        </p:txBody>
-      </p:sp>
-      <p:sp>
-        <p:nvSpPr>
-          <p:cNvPr id="3" name="内容占位符 2"/>
-          <p:cNvSpPr>
-            <a:spLocks noGrp="1"/>
-          </p:cNvSpPr>
-          <p:nvPr>
-            <p:ph idx="1"/>
-          </p:nvPr>
-        </p:nvSpPr>
-        <p:spPr/>
-        <p:txBody>
-          <a:bodyPr/>
-          <a:lstStyle/>
-          <a:p>
-            <a:endParaRPr kumimoji="1" lang="zh-CN" altLang="en-US" dirty="0"/>
-          </a:p>
-        </p:txBody>
-      </p:sp>
-    </p:spTree>
-    <p:extLst>
-      <p:ext uri="{BB962C8B-B14F-4D97-AF65-F5344CB8AC3E}">
-        <p14:creationId xmlns:p14="http://schemas.microsoft.com/office/powerpoint/2010/main" val="366803774"/>
-      </p:ext>
-    </p:extLst>
-  </p:cSld>
-  <p:clrMapOvr>
-    <a:masterClrMapping/>
-  </p:clrMapOvr>
 </p:sld>
 </file>
 
